--- a/Documents/Apresentacao.pptx
+++ b/Documents/Apresentacao.pptx
@@ -112,6 +112,11 @@
       </a:defRPr>
     </a:lvl9pPr>
   </p:defaultTextStyle>
+  <p:extLst>
+    <p:ext uri="{EFAFB233-063F-42B5-8137-9DF3F51BA10A}">
+      <p15:sldGuideLst xmlns:p15="http://schemas.microsoft.com/office/powerpoint/2012/main"/>
+    </p:ext>
+  </p:extLst>
 </p:presentation>
 </file>
 
@@ -3608,8 +3613,9 @@
           </a:bodyPr>
           <a:lstStyle/>
           <a:p>
+            <a:pPr algn="ctr"/>
             <a:r>
-              <a:rPr lang="pt-BR" dirty="0">
+              <a:rPr lang="pt-BR" sz="5400" b="1" dirty="0">
                 <a:solidFill>
                   <a:srgbClr val="FFFFFF"/>
                 </a:solidFill>
@@ -7767,7 +7773,7 @@
         </p:blipFill>
         <p:spPr>
           <a:xfrm>
-            <a:off x="7892284" y="958287"/>
+            <a:off x="5644626" y="3073032"/>
             <a:ext cx="4114653" cy="1709884"/>
           </a:xfrm>
           <a:prstGeom prst="rect">
@@ -7777,10 +7783,10 @@
       </p:pic>
       <p:pic>
         <p:nvPicPr>
-          <p:cNvPr id="7" name="Imagem 6" descr="Logotipo&#10;&#10;Descrição gerada automaticamente">
-            <a:extLst>
-              <a:ext uri="{FF2B5EF4-FFF2-40B4-BE49-F238E27FC236}">
-                <a16:creationId xmlns:a16="http://schemas.microsoft.com/office/drawing/2014/main" id="{0361F666-B254-4616-BCF4-3F589AB18F45}"/>
+          <p:cNvPr id="9" name="Imagem 8" descr="Logotipo, Ícone, nome da empresa&#10;&#10;Descrição gerada automaticamente">
+            <a:extLst>
+              <a:ext uri="{FF2B5EF4-FFF2-40B4-BE49-F238E27FC236}">
+                <a16:creationId xmlns:a16="http://schemas.microsoft.com/office/drawing/2014/main" id="{C30F5E3E-08B5-4280-997D-B5D17CEFC1CE}"/>
               </a:ext>
             </a:extLst>
           </p:cNvPr>
@@ -7803,8 +7809,8 @@
         </p:blipFill>
         <p:spPr>
           <a:xfrm>
-            <a:off x="7603825" y="3428999"/>
-            <a:ext cx="3590646" cy="1885090"/>
+            <a:off x="820787" y="4001913"/>
+            <a:ext cx="1555719" cy="1555719"/>
           </a:xfrm>
           <a:prstGeom prst="rect">
             <a:avLst/>
@@ -7813,10 +7819,10 @@
       </p:pic>
       <p:pic>
         <p:nvPicPr>
-          <p:cNvPr id="9" name="Imagem 8" descr="Logotipo, Ícone, nome da empresa&#10;&#10;Descrição gerada automaticamente">
-            <a:extLst>
-              <a:ext uri="{FF2B5EF4-FFF2-40B4-BE49-F238E27FC236}">
-                <a16:creationId xmlns:a16="http://schemas.microsoft.com/office/drawing/2014/main" id="{C30F5E3E-08B5-4280-997D-B5D17CEFC1CE}"/>
+          <p:cNvPr id="11" name="Imagem 10" descr="Uma imagem contendo objeto, relógio&#10;&#10;Descrição gerada automaticamente">
+            <a:extLst>
+              <a:ext uri="{FF2B5EF4-FFF2-40B4-BE49-F238E27FC236}">
+                <a16:creationId xmlns:a16="http://schemas.microsoft.com/office/drawing/2014/main" id="{E5AB71FE-51A1-44E6-8E98-84463BBE9929}"/>
               </a:ext>
             </a:extLst>
           </p:cNvPr>
@@ -7839,8 +7845,8 @@
         </p:blipFill>
         <p:spPr>
           <a:xfrm>
-            <a:off x="820787" y="4001913"/>
-            <a:ext cx="1555719" cy="1555719"/>
+            <a:off x="9949611" y="668261"/>
+            <a:ext cx="934176" cy="934176"/>
           </a:xfrm>
           <a:prstGeom prst="rect">
             <a:avLst/>
@@ -7849,10 +7855,10 @@
       </p:pic>
       <p:pic>
         <p:nvPicPr>
-          <p:cNvPr id="11" name="Imagem 10" descr="Uma imagem contendo objeto, relógio&#10;&#10;Descrição gerada automaticamente">
-            <a:extLst>
-              <a:ext uri="{FF2B5EF4-FFF2-40B4-BE49-F238E27FC236}">
-                <a16:creationId xmlns:a16="http://schemas.microsoft.com/office/drawing/2014/main" id="{E5AB71FE-51A1-44E6-8E98-84463BBE9929}"/>
+          <p:cNvPr id="14" name="Imagem 13" descr="Forma&#10;&#10;Descrição gerada automaticamente com confiança baixa">
+            <a:extLst>
+              <a:ext uri="{FF2B5EF4-FFF2-40B4-BE49-F238E27FC236}">
+                <a16:creationId xmlns:a16="http://schemas.microsoft.com/office/drawing/2014/main" id="{8C87B0C4-087F-4555-8756-C84003EC442D}"/>
               </a:ext>
             </a:extLst>
           </p:cNvPr>
@@ -7875,8 +7881,8 @@
         </p:blipFill>
         <p:spPr>
           <a:xfrm>
-            <a:off x="5672121" y="5242660"/>
-            <a:ext cx="934176" cy="934176"/>
+            <a:off x="3483523" y="4962112"/>
+            <a:ext cx="1263925" cy="1263925"/>
           </a:xfrm>
           <a:prstGeom prst="rect">
             <a:avLst/>
@@ -7885,10 +7891,10 @@
       </p:pic>
       <p:pic>
         <p:nvPicPr>
-          <p:cNvPr id="14" name="Imagem 13" descr="Forma&#10;&#10;Descrição gerada automaticamente com confiança baixa">
-            <a:extLst>
-              <a:ext uri="{FF2B5EF4-FFF2-40B4-BE49-F238E27FC236}">
-                <a16:creationId xmlns:a16="http://schemas.microsoft.com/office/drawing/2014/main" id="{8C87B0C4-087F-4555-8756-C84003EC442D}"/>
+          <p:cNvPr id="5" name="Gráfico 4">
+            <a:extLst>
+              <a:ext uri="{FF2B5EF4-FFF2-40B4-BE49-F238E27FC236}">
+                <a16:creationId xmlns:a16="http://schemas.microsoft.com/office/drawing/2014/main" id="{9EF40906-2175-40FE-B8DE-37D529CD72C7}"/>
               </a:ext>
             </a:extLst>
           </p:cNvPr>
@@ -7903,6 +7909,9 @@
               <a:ext uri="{28A0092B-C50C-407E-A947-70E740481C1C}">
                 <a14:useLocalDpi xmlns:a14="http://schemas.microsoft.com/office/drawing/2010/main" val="0"/>
               </a:ext>
+              <a:ext uri="{96DAC541-7B7A-43D3-8B79-37D633B846F1}">
+                <asvg:svgBlip xmlns:asvg="http://schemas.microsoft.com/office/drawing/2016/SVG/main" r:embed="rId10"/>
+              </a:ext>
             </a:extLst>
           </a:blip>
           <a:stretch>
@@ -7911,8 +7920,8 @@
         </p:blipFill>
         <p:spPr>
           <a:xfrm>
-            <a:off x="6095998" y="664482"/>
-            <a:ext cx="1263925" cy="1263925"/>
+            <a:off x="2866006" y="877717"/>
+            <a:ext cx="3156123" cy="2551410"/>
           </a:xfrm>
           <a:prstGeom prst="rect">
             <a:avLst/>

--- a/Documents/Apresentacao.pptx
+++ b/Documents/Apresentacao.pptx
@@ -274,7 +274,7 @@
           <a:p>
             <a:fld id="{0D4E46AA-1EC0-4433-9956-E798E94A6FB7}" type="datetimeFigureOut">
               <a:rPr lang="en-US" smtClean="0"/>
-              <a:t>1/11/2022</a:t>
+              <a:t>1/14/2022</a:t>
             </a:fld>
             <a:endParaRPr lang="en-US"/>
           </a:p>
@@ -472,7 +472,7 @@
           <a:p>
             <a:fld id="{0D4E46AA-1EC0-4433-9956-E798E94A6FB7}" type="datetimeFigureOut">
               <a:rPr lang="en-US" smtClean="0"/>
-              <a:t>1/11/2022</a:t>
+              <a:t>1/14/2022</a:t>
             </a:fld>
             <a:endParaRPr lang="en-US"/>
           </a:p>
@@ -680,7 +680,7 @@
           <a:p>
             <a:fld id="{0D4E46AA-1EC0-4433-9956-E798E94A6FB7}" type="datetimeFigureOut">
               <a:rPr lang="en-US" smtClean="0"/>
-              <a:t>1/11/2022</a:t>
+              <a:t>1/14/2022</a:t>
             </a:fld>
             <a:endParaRPr lang="en-US"/>
           </a:p>
@@ -878,7 +878,7 @@
           <a:p>
             <a:fld id="{0D4E46AA-1EC0-4433-9956-E798E94A6FB7}" type="datetimeFigureOut">
               <a:rPr lang="en-US" smtClean="0"/>
-              <a:t>1/11/2022</a:t>
+              <a:t>1/14/2022</a:t>
             </a:fld>
             <a:endParaRPr lang="en-US"/>
           </a:p>
@@ -1157,7 +1157,7 @@
           <a:p>
             <a:fld id="{0D4E46AA-1EC0-4433-9956-E798E94A6FB7}" type="datetimeFigureOut">
               <a:rPr lang="en-US" smtClean="0"/>
-              <a:t>1/11/2022</a:t>
+              <a:t>1/14/2022</a:t>
             </a:fld>
             <a:endParaRPr lang="en-US"/>
           </a:p>
@@ -1422,7 +1422,7 @@
           <a:p>
             <a:fld id="{0D4E46AA-1EC0-4433-9956-E798E94A6FB7}" type="datetimeFigureOut">
               <a:rPr lang="en-US" smtClean="0"/>
-              <a:t>1/11/2022</a:t>
+              <a:t>1/14/2022</a:t>
             </a:fld>
             <a:endParaRPr lang="en-US"/>
           </a:p>
@@ -1838,7 +1838,7 @@
           <a:p>
             <a:fld id="{0D4E46AA-1EC0-4433-9956-E798E94A6FB7}" type="datetimeFigureOut">
               <a:rPr lang="en-US" smtClean="0"/>
-              <a:t>1/11/2022</a:t>
+              <a:t>1/14/2022</a:t>
             </a:fld>
             <a:endParaRPr lang="en-US"/>
           </a:p>
@@ -1979,7 +1979,7 @@
           <a:p>
             <a:fld id="{0D4E46AA-1EC0-4433-9956-E798E94A6FB7}" type="datetimeFigureOut">
               <a:rPr lang="en-US" smtClean="0"/>
-              <a:t>1/11/2022</a:t>
+              <a:t>1/14/2022</a:t>
             </a:fld>
             <a:endParaRPr lang="en-US"/>
           </a:p>
@@ -2092,7 +2092,7 @@
           <a:p>
             <a:fld id="{0D4E46AA-1EC0-4433-9956-E798E94A6FB7}" type="datetimeFigureOut">
               <a:rPr lang="en-US" smtClean="0"/>
-              <a:t>1/11/2022</a:t>
+              <a:t>1/14/2022</a:t>
             </a:fld>
             <a:endParaRPr lang="en-US"/>
           </a:p>
@@ -2405,7 +2405,7 @@
           <a:p>
             <a:fld id="{0D4E46AA-1EC0-4433-9956-E798E94A6FB7}" type="datetimeFigureOut">
               <a:rPr lang="en-US" smtClean="0"/>
-              <a:t>1/11/2022</a:t>
+              <a:t>1/14/2022</a:t>
             </a:fld>
             <a:endParaRPr lang="en-US"/>
           </a:p>
@@ -2693,7 +2693,7 @@
           <a:p>
             <a:fld id="{0D4E46AA-1EC0-4433-9956-E798E94A6FB7}" type="datetimeFigureOut">
               <a:rPr lang="en-US" smtClean="0"/>
-              <a:t>1/11/2022</a:t>
+              <a:t>1/14/2022</a:t>
             </a:fld>
             <a:endParaRPr lang="en-US"/>
           </a:p>
@@ -2933,7 +2933,7 @@
             <a:fld id="{0D4E46AA-1EC0-4433-9956-E798E94A6FB7}" type="datetimeFigureOut">
               <a:rPr lang="en-US" smtClean="0"/>
               <a:pPr/>
-              <a:t>1/11/2022</a:t>
+              <a:t>1/14/2022</a:t>
             </a:fld>
             <a:endParaRPr lang="en-US" dirty="0"/>
           </a:p>
@@ -4407,8 +4407,44 @@
         </p:blipFill>
         <p:spPr>
           <a:xfrm>
-            <a:off x="997529" y="1449489"/>
+            <a:off x="1158895" y="976834"/>
             <a:ext cx="10819047" cy="3884371"/>
+          </a:xfrm>
+          <a:prstGeom prst="rect">
+            <a:avLst/>
+          </a:prstGeom>
+        </p:spPr>
+      </p:pic>
+      <p:pic>
+        <p:nvPicPr>
+          <p:cNvPr id="3" name="Imagem 2" descr="Interface gráfica do usuário, Aplicativo&#10;&#10;Descrição gerada automaticamente">
+            <a:extLst>
+              <a:ext uri="{FF2B5EF4-FFF2-40B4-BE49-F238E27FC236}">
+                <a16:creationId xmlns:a16="http://schemas.microsoft.com/office/drawing/2014/main" id="{1607C64A-2A91-44DA-9728-2EA08C36021C}"/>
+              </a:ext>
+            </a:extLst>
+          </p:cNvPr>
+          <p:cNvPicPr>
+            <a:picLocks noChangeAspect="1"/>
+          </p:cNvPicPr>
+          <p:nvPr/>
+        </p:nvPicPr>
+        <p:blipFill>
+          <a:blip r:embed="rId6">
+            <a:extLst>
+              <a:ext uri="{28A0092B-C50C-407E-A947-70E740481C1C}">
+                <a14:useLocalDpi xmlns:a14="http://schemas.microsoft.com/office/drawing/2010/main" val="0"/>
+              </a:ext>
+            </a:extLst>
+          </a:blip>
+          <a:stretch>
+            <a:fillRect/>
+          </a:stretch>
+        </p:blipFill>
+        <p:spPr>
+          <a:xfrm>
+            <a:off x="361881" y="4493933"/>
+            <a:ext cx="2718943" cy="2160084"/>
           </a:xfrm>
           <a:prstGeom prst="rect">
             <a:avLst/>
@@ -5183,6 +5219,42 @@
           </a:prstGeom>
         </p:spPr>
       </p:pic>
+      <p:pic>
+        <p:nvPicPr>
+          <p:cNvPr id="5" name="Imagem 4" descr="Interface gráfica do usuário, Texto, Aplicativo&#10;&#10;Descrição gerada automaticamente">
+            <a:extLst>
+              <a:ext uri="{FF2B5EF4-FFF2-40B4-BE49-F238E27FC236}">
+                <a16:creationId xmlns:a16="http://schemas.microsoft.com/office/drawing/2014/main" id="{E7587866-FEB1-487D-8E17-567E9B20125F}"/>
+              </a:ext>
+            </a:extLst>
+          </p:cNvPr>
+          <p:cNvPicPr>
+            <a:picLocks noChangeAspect="1"/>
+          </p:cNvPicPr>
+          <p:nvPr/>
+        </p:nvPicPr>
+        <p:blipFill>
+          <a:blip r:embed="rId6">
+            <a:extLst>
+              <a:ext uri="{28A0092B-C50C-407E-A947-70E740481C1C}">
+                <a14:useLocalDpi xmlns:a14="http://schemas.microsoft.com/office/drawing/2010/main" val="0"/>
+              </a:ext>
+            </a:extLst>
+          </a:blip>
+          <a:stretch>
+            <a:fillRect/>
+          </a:stretch>
+        </p:blipFill>
+        <p:spPr>
+          <a:xfrm>
+            <a:off x="275472" y="4233010"/>
+            <a:ext cx="9082135" cy="1924903"/>
+          </a:xfrm>
+          <a:prstGeom prst="rect">
+            <a:avLst/>
+          </a:prstGeom>
+        </p:spPr>
+      </p:pic>
     </p:spTree>
     <p:extLst>
       <p:ext uri="{BB962C8B-B14F-4D97-AF65-F5344CB8AC3E}">
@@ -5917,10 +5989,10 @@
       </p:pic>
       <p:pic>
         <p:nvPicPr>
-          <p:cNvPr id="5" name="Imagem 4" descr="Interface gráfica do usuário, Aplicativo&#10;&#10;Descrição gerada automaticamente">
-            <a:extLst>
-              <a:ext uri="{FF2B5EF4-FFF2-40B4-BE49-F238E27FC236}">
-                <a16:creationId xmlns:a16="http://schemas.microsoft.com/office/drawing/2014/main" id="{0CDB3087-8FA7-48D6-B549-151863B7C83C}"/>
+          <p:cNvPr id="8" name="Imagem 7" descr="Texto, Carta&#10;&#10;Descrição gerada automaticamente">
+            <a:extLst>
+              <a:ext uri="{FF2B5EF4-FFF2-40B4-BE49-F238E27FC236}">
+                <a16:creationId xmlns:a16="http://schemas.microsoft.com/office/drawing/2014/main" id="{DA03B407-103B-4847-BCD0-CEB807A6451E}"/>
               </a:ext>
             </a:extLst>
           </p:cNvPr>
@@ -5943,8 +6015,8 @@
         </p:blipFill>
         <p:spPr>
           <a:xfrm>
-            <a:off x="685843" y="1009060"/>
-            <a:ext cx="4763165" cy="5516515"/>
+            <a:off x="4787381" y="833865"/>
+            <a:ext cx="5369047" cy="2329081"/>
           </a:xfrm>
           <a:prstGeom prst="rect">
             <a:avLst/>
@@ -5953,10 +6025,10 @@
       </p:pic>
       <p:pic>
         <p:nvPicPr>
-          <p:cNvPr id="8" name="Imagem 7" descr="Texto, Carta&#10;&#10;Descrição gerada automaticamente">
-            <a:extLst>
-              <a:ext uri="{FF2B5EF4-FFF2-40B4-BE49-F238E27FC236}">
-                <a16:creationId xmlns:a16="http://schemas.microsoft.com/office/drawing/2014/main" id="{DA03B407-103B-4847-BCD0-CEB807A6451E}"/>
+          <p:cNvPr id="10" name="Imagem 9" descr="Texto, Carta&#10;&#10;Descrição gerada automaticamente">
+            <a:extLst>
+              <a:ext uri="{FF2B5EF4-FFF2-40B4-BE49-F238E27FC236}">
+                <a16:creationId xmlns:a16="http://schemas.microsoft.com/office/drawing/2014/main" id="{895FF0CB-F233-49A5-AEF6-6C704D7D930D}"/>
               </a:ext>
             </a:extLst>
           </p:cNvPr>
@@ -5979,8 +6051,8 @@
         </p:blipFill>
         <p:spPr>
           <a:xfrm>
-            <a:off x="5844457" y="332424"/>
-            <a:ext cx="5369047" cy="2329081"/>
+            <a:off x="5080988" y="3428999"/>
+            <a:ext cx="4494653" cy="1558905"/>
           </a:xfrm>
           <a:prstGeom prst="rect">
             <a:avLst/>
@@ -5989,10 +6061,10 @@
       </p:pic>
       <p:pic>
         <p:nvPicPr>
-          <p:cNvPr id="10" name="Imagem 9" descr="Texto, Carta&#10;&#10;Descrição gerada automaticamente">
-            <a:extLst>
-              <a:ext uri="{FF2B5EF4-FFF2-40B4-BE49-F238E27FC236}">
-                <a16:creationId xmlns:a16="http://schemas.microsoft.com/office/drawing/2014/main" id="{895FF0CB-F233-49A5-AEF6-6C704D7D930D}"/>
+          <p:cNvPr id="13" name="Imagem 12" descr="Tabela&#10;&#10;Descrição gerada automaticamente">
+            <a:extLst>
+              <a:ext uri="{FF2B5EF4-FFF2-40B4-BE49-F238E27FC236}">
+                <a16:creationId xmlns:a16="http://schemas.microsoft.com/office/drawing/2014/main" id="{756314A1-BDC0-42CE-8355-04550FC0B701}"/>
               </a:ext>
             </a:extLst>
           </p:cNvPr>
@@ -6015,8 +6087,8 @@
         </p:blipFill>
         <p:spPr>
           <a:xfrm>
-            <a:off x="6647531" y="2977402"/>
-            <a:ext cx="3762900" cy="1305107"/>
+            <a:off x="4787381" y="5319847"/>
+            <a:ext cx="4788260" cy="1130734"/>
           </a:xfrm>
           <a:prstGeom prst="rect">
             <a:avLst/>
@@ -6025,10 +6097,10 @@
       </p:pic>
       <p:pic>
         <p:nvPicPr>
-          <p:cNvPr id="13" name="Imagem 12" descr="Tabela&#10;&#10;Descrição gerada automaticamente">
-            <a:extLst>
-              <a:ext uri="{FF2B5EF4-FFF2-40B4-BE49-F238E27FC236}">
-                <a16:creationId xmlns:a16="http://schemas.microsoft.com/office/drawing/2014/main" id="{756314A1-BDC0-42CE-8355-04550FC0B701}"/>
+          <p:cNvPr id="3" name="Imagem 2" descr="Interface gráfica do usuário, Aplicativo&#10;&#10;Descrição gerada automaticamente">
+            <a:extLst>
+              <a:ext uri="{FF2B5EF4-FFF2-40B4-BE49-F238E27FC236}">
+                <a16:creationId xmlns:a16="http://schemas.microsoft.com/office/drawing/2014/main" id="{FCB4E551-2BEB-45A4-933D-2991185818D3}"/>
               </a:ext>
             </a:extLst>
           </p:cNvPr>
@@ -6051,8 +6123,8 @@
         </p:blipFill>
         <p:spPr>
           <a:xfrm>
-            <a:off x="6134851" y="4535549"/>
-            <a:ext cx="4788260" cy="1130734"/>
+            <a:off x="275997" y="878376"/>
+            <a:ext cx="3991532" cy="5906324"/>
           </a:xfrm>
           <a:prstGeom prst="rect">
             <a:avLst/>
@@ -6407,6 +6479,42 @@
           </a:prstGeom>
         </p:spPr>
       </p:pic>
+      <p:pic>
+        <p:nvPicPr>
+          <p:cNvPr id="3" name="Imagem 2" descr="Diagrama&#10;&#10;Descrição gerada automaticamente">
+            <a:extLst>
+              <a:ext uri="{FF2B5EF4-FFF2-40B4-BE49-F238E27FC236}">
+                <a16:creationId xmlns:a16="http://schemas.microsoft.com/office/drawing/2014/main" id="{CC875CA6-942B-4F36-BB29-8072285C0B01}"/>
+              </a:ext>
+            </a:extLst>
+          </p:cNvPr>
+          <p:cNvPicPr>
+            <a:picLocks noChangeAspect="1"/>
+          </p:cNvPicPr>
+          <p:nvPr/>
+        </p:nvPicPr>
+        <p:blipFill>
+          <a:blip r:embed="rId5">
+            <a:extLst>
+              <a:ext uri="{28A0092B-C50C-407E-A947-70E740481C1C}">
+                <a14:useLocalDpi xmlns:a14="http://schemas.microsoft.com/office/drawing/2010/main" val="0"/>
+              </a:ext>
+            </a:extLst>
+          </a:blip>
+          <a:stretch>
+            <a:fillRect/>
+          </a:stretch>
+        </p:blipFill>
+        <p:spPr>
+          <a:xfrm>
+            <a:off x="482515" y="1214128"/>
+            <a:ext cx="11307950" cy="4581253"/>
+          </a:xfrm>
+          <a:prstGeom prst="rect">
+            <a:avLst/>
+          </a:prstGeom>
+        </p:spPr>
+      </p:pic>
     </p:spTree>
     <p:extLst>
       <p:ext uri="{BB962C8B-B14F-4D97-AF65-F5344CB8AC3E}">
@@ -6755,42 +6863,6 @@
           </a:prstGeom>
         </p:spPr>
       </p:pic>
-      <p:pic>
-        <p:nvPicPr>
-          <p:cNvPr id="3" name="Imagem 2" descr="Texto&#10;&#10;Descrição gerada automaticamente">
-            <a:extLst>
-              <a:ext uri="{FF2B5EF4-FFF2-40B4-BE49-F238E27FC236}">
-                <a16:creationId xmlns:a16="http://schemas.microsoft.com/office/drawing/2014/main" id="{60597BA7-1CA1-4F3C-936B-10878B6ACF8F}"/>
-              </a:ext>
-            </a:extLst>
-          </p:cNvPr>
-          <p:cNvPicPr>
-            <a:picLocks noChangeAspect="1"/>
-          </p:cNvPicPr>
-          <p:nvPr/>
-        </p:nvPicPr>
-        <p:blipFill>
-          <a:blip r:embed="rId5">
-            <a:extLst>
-              <a:ext uri="{28A0092B-C50C-407E-A947-70E740481C1C}">
-                <a14:useLocalDpi xmlns:a14="http://schemas.microsoft.com/office/drawing/2010/main" val="0"/>
-              </a:ext>
-            </a:extLst>
-          </a:blip>
-          <a:stretch>
-            <a:fillRect/>
-          </a:stretch>
-        </p:blipFill>
-        <p:spPr>
-          <a:xfrm>
-            <a:off x="618296" y="3870788"/>
-            <a:ext cx="4249656" cy="2225141"/>
-          </a:xfrm>
-          <a:prstGeom prst="rect">
-            <a:avLst/>
-          </a:prstGeom>
-        </p:spPr>
-      </p:pic>
       <p:sp>
         <p:nvSpPr>
           <p:cNvPr id="7" name="Retângulo 6">
@@ -7397,6 +7469,42 @@
           </a:fontRef>
         </p:style>
       </p:cxnSp>
+      <p:pic>
+        <p:nvPicPr>
+          <p:cNvPr id="9" name="Imagem 8" descr="Tela de computador com letras brancas em fundo preto&#10;&#10;Descrição gerada automaticamente">
+            <a:extLst>
+              <a:ext uri="{FF2B5EF4-FFF2-40B4-BE49-F238E27FC236}">
+                <a16:creationId xmlns:a16="http://schemas.microsoft.com/office/drawing/2014/main" id="{C93DDD6B-CEF2-44ED-B1D4-03B1FD6FA51B}"/>
+              </a:ext>
+            </a:extLst>
+          </p:cNvPr>
+          <p:cNvPicPr>
+            <a:picLocks noChangeAspect="1"/>
+          </p:cNvPicPr>
+          <p:nvPr/>
+        </p:nvPicPr>
+        <p:blipFill>
+          <a:blip r:embed="rId5">
+            <a:extLst>
+              <a:ext uri="{28A0092B-C50C-407E-A947-70E740481C1C}">
+                <a14:useLocalDpi xmlns:a14="http://schemas.microsoft.com/office/drawing/2010/main" val="0"/>
+              </a:ext>
+            </a:extLst>
+          </a:blip>
+          <a:stretch>
+            <a:fillRect/>
+          </a:stretch>
+        </p:blipFill>
+        <p:spPr>
+          <a:xfrm>
+            <a:off x="892198" y="1029242"/>
+            <a:ext cx="3160466" cy="5694408"/>
+          </a:xfrm>
+          <a:prstGeom prst="rect">
+            <a:avLst/>
+          </a:prstGeom>
+        </p:spPr>
+      </p:pic>
     </p:spTree>
     <p:extLst>
       <p:ext uri="{BB962C8B-B14F-4D97-AF65-F5344CB8AC3E}">
@@ -7747,10 +7855,10 @@
       </p:pic>
       <p:pic>
         <p:nvPicPr>
-          <p:cNvPr id="3" name="Imagem 2" descr="Uma imagem contendo Texto&#10;&#10;Descrição gerada automaticamente">
-            <a:extLst>
-              <a:ext uri="{FF2B5EF4-FFF2-40B4-BE49-F238E27FC236}">
-                <a16:creationId xmlns:a16="http://schemas.microsoft.com/office/drawing/2014/main" id="{CDA9984D-11F9-41E5-9098-38F6DE9ED063}"/>
+          <p:cNvPr id="18" name="Imagem 17" descr="Uma imagem contendo Texto&#10;&#10;Descrição gerada automaticamente">
+            <a:extLst>
+              <a:ext uri="{FF2B5EF4-FFF2-40B4-BE49-F238E27FC236}">
+                <a16:creationId xmlns:a16="http://schemas.microsoft.com/office/drawing/2014/main" id="{1D122412-4BE2-441D-B50C-BB26B6987653}"/>
               </a:ext>
             </a:extLst>
           </p:cNvPr>
@@ -7773,8 +7881,8 @@
         </p:blipFill>
         <p:spPr>
           <a:xfrm>
-            <a:off x="5644626" y="3073032"/>
-            <a:ext cx="4114653" cy="1709884"/>
+            <a:off x="8121804" y="3463497"/>
+            <a:ext cx="3924273" cy="1630770"/>
           </a:xfrm>
           <a:prstGeom prst="rect">
             <a:avLst/>
@@ -7783,10 +7891,10 @@
       </p:pic>
       <p:pic>
         <p:nvPicPr>
-          <p:cNvPr id="9" name="Imagem 8" descr="Logotipo, Ícone, nome da empresa&#10;&#10;Descrição gerada automaticamente">
-            <a:extLst>
-              <a:ext uri="{FF2B5EF4-FFF2-40B4-BE49-F238E27FC236}">
-                <a16:creationId xmlns:a16="http://schemas.microsoft.com/office/drawing/2014/main" id="{C30F5E3E-08B5-4280-997D-B5D17CEFC1CE}"/>
+          <p:cNvPr id="19" name="Imagem 18" descr="Logotipo, Ícone, nome da empresa&#10;&#10;Descrição gerada automaticamente">
+            <a:extLst>
+              <a:ext uri="{FF2B5EF4-FFF2-40B4-BE49-F238E27FC236}">
+                <a16:creationId xmlns:a16="http://schemas.microsoft.com/office/drawing/2014/main" id="{1D8D1089-E521-4618-8A62-37862926A565}"/>
               </a:ext>
             </a:extLst>
           </p:cNvPr>
@@ -7809,7 +7917,7 @@
         </p:blipFill>
         <p:spPr>
           <a:xfrm>
-            <a:off x="820787" y="4001913"/>
+            <a:off x="547299" y="3501023"/>
             <a:ext cx="1555719" cy="1555719"/>
           </a:xfrm>
           <a:prstGeom prst="rect">
@@ -7819,10 +7927,10 @@
       </p:pic>
       <p:pic>
         <p:nvPicPr>
-          <p:cNvPr id="11" name="Imagem 10" descr="Uma imagem contendo objeto, relógio&#10;&#10;Descrição gerada automaticamente">
-            <a:extLst>
-              <a:ext uri="{FF2B5EF4-FFF2-40B4-BE49-F238E27FC236}">
-                <a16:creationId xmlns:a16="http://schemas.microsoft.com/office/drawing/2014/main" id="{E5AB71FE-51A1-44E6-8E98-84463BBE9929}"/>
+          <p:cNvPr id="21" name="Imagem 20" descr="Uma imagem contendo objeto, relógio&#10;&#10;Descrição gerada automaticamente">
+            <a:extLst>
+              <a:ext uri="{FF2B5EF4-FFF2-40B4-BE49-F238E27FC236}">
+                <a16:creationId xmlns:a16="http://schemas.microsoft.com/office/drawing/2014/main" id="{755126E4-697D-4C80-B23C-1FDEE81C7878}"/>
               </a:ext>
             </a:extLst>
           </p:cNvPr>
@@ -7845,7 +7953,7 @@
         </p:blipFill>
         <p:spPr>
           <a:xfrm>
-            <a:off x="9949611" y="668261"/>
+            <a:off x="8499281" y="5490869"/>
             <a:ext cx="934176" cy="934176"/>
           </a:xfrm>
           <a:prstGeom prst="rect">
@@ -7855,10 +7963,10 @@
       </p:pic>
       <p:pic>
         <p:nvPicPr>
-          <p:cNvPr id="14" name="Imagem 13" descr="Forma&#10;&#10;Descrição gerada automaticamente com confiança baixa">
-            <a:extLst>
-              <a:ext uri="{FF2B5EF4-FFF2-40B4-BE49-F238E27FC236}">
-                <a16:creationId xmlns:a16="http://schemas.microsoft.com/office/drawing/2014/main" id="{8C87B0C4-087F-4555-8756-C84003EC442D}"/>
+          <p:cNvPr id="23" name="Imagem 22" descr="Forma&#10;&#10;Descrição gerada automaticamente com confiança baixa">
+            <a:extLst>
+              <a:ext uri="{FF2B5EF4-FFF2-40B4-BE49-F238E27FC236}">
+                <a16:creationId xmlns:a16="http://schemas.microsoft.com/office/drawing/2014/main" id="{C1A6CD7A-E1A5-43E0-A87C-94F185D5EE8C}"/>
               </a:ext>
             </a:extLst>
           </p:cNvPr>
@@ -7881,7 +7989,7 @@
         </p:blipFill>
         <p:spPr>
           <a:xfrm>
-            <a:off x="3483523" y="4962112"/>
+            <a:off x="1396375" y="5484496"/>
             <a:ext cx="1263925" cy="1263925"/>
           </a:xfrm>
           <a:prstGeom prst="rect">
@@ -7891,10 +7999,10 @@
       </p:pic>
       <p:pic>
         <p:nvPicPr>
-          <p:cNvPr id="5" name="Gráfico 4">
-            <a:extLst>
-              <a:ext uri="{FF2B5EF4-FFF2-40B4-BE49-F238E27FC236}">
-                <a16:creationId xmlns:a16="http://schemas.microsoft.com/office/drawing/2014/main" id="{9EF40906-2175-40FE-B8DE-37D529CD72C7}"/>
+          <p:cNvPr id="25" name="Gráfico 24">
+            <a:extLst>
+              <a:ext uri="{FF2B5EF4-FFF2-40B4-BE49-F238E27FC236}">
+                <a16:creationId xmlns:a16="http://schemas.microsoft.com/office/drawing/2014/main" id="{25AD02A4-CA57-49AA-B783-A9605D688EB6}"/>
               </a:ext>
             </a:extLst>
           </p:cNvPr>
@@ -7920,8 +8028,299 @@
         </p:blipFill>
         <p:spPr>
           <a:xfrm>
-            <a:off x="2866006" y="877717"/>
-            <a:ext cx="3156123" cy="2551410"/>
+            <a:off x="5425425" y="3339270"/>
+            <a:ext cx="2324619" cy="1879222"/>
+          </a:xfrm>
+          <a:prstGeom prst="rect">
+            <a:avLst/>
+          </a:prstGeom>
+        </p:spPr>
+      </p:pic>
+      <p:pic>
+        <p:nvPicPr>
+          <p:cNvPr id="26" name="Imagem 25" descr="Ícone&#10;&#10;Descrição gerada automaticamente">
+            <a:extLst>
+              <a:ext uri="{FF2B5EF4-FFF2-40B4-BE49-F238E27FC236}">
+                <a16:creationId xmlns:a16="http://schemas.microsoft.com/office/drawing/2014/main" id="{431DDA61-690B-4327-B985-1A67B63C180A}"/>
+              </a:ext>
+            </a:extLst>
+          </p:cNvPr>
+          <p:cNvPicPr>
+            <a:picLocks noChangeAspect="1"/>
+          </p:cNvPicPr>
+          <p:nvPr/>
+        </p:nvPicPr>
+        <p:blipFill>
+          <a:blip r:embed="rId11">
+            <a:extLst>
+              <a:ext uri="{28A0092B-C50C-407E-A947-70E740481C1C}">
+                <a14:useLocalDpi xmlns:a14="http://schemas.microsoft.com/office/drawing/2010/main" val="0"/>
+              </a:ext>
+            </a:extLst>
+          </a:blip>
+          <a:stretch>
+            <a:fillRect/>
+          </a:stretch>
+        </p:blipFill>
+        <p:spPr>
+          <a:xfrm>
+            <a:off x="3825601" y="782001"/>
+            <a:ext cx="2324618" cy="2324618"/>
+          </a:xfrm>
+          <a:prstGeom prst="rect">
+            <a:avLst/>
+          </a:prstGeom>
+        </p:spPr>
+      </p:pic>
+      <p:pic>
+        <p:nvPicPr>
+          <p:cNvPr id="27" name="Imagem 26" descr="Ícone&#10;&#10;Descrição gerada automaticamente">
+            <a:extLst>
+              <a:ext uri="{FF2B5EF4-FFF2-40B4-BE49-F238E27FC236}">
+                <a16:creationId xmlns:a16="http://schemas.microsoft.com/office/drawing/2014/main" id="{84C9385C-5EA4-40E2-95E1-4295A11FF2E5}"/>
+              </a:ext>
+            </a:extLst>
+          </p:cNvPr>
+          <p:cNvPicPr>
+            <a:picLocks noChangeAspect="1"/>
+          </p:cNvPicPr>
+          <p:nvPr/>
+        </p:nvPicPr>
+        <p:blipFill>
+          <a:blip r:embed="rId12">
+            <a:extLst>
+              <a:ext uri="{28A0092B-C50C-407E-A947-70E740481C1C}">
+                <a14:useLocalDpi xmlns:a14="http://schemas.microsoft.com/office/drawing/2010/main" val="0"/>
+              </a:ext>
+            </a:extLst>
+          </a:blip>
+          <a:stretch>
+            <a:fillRect/>
+          </a:stretch>
+        </p:blipFill>
+        <p:spPr>
+          <a:xfrm>
+            <a:off x="742775" y="525931"/>
+            <a:ext cx="2890183" cy="2890183"/>
+          </a:xfrm>
+          <a:prstGeom prst="rect">
+            <a:avLst/>
+          </a:prstGeom>
+        </p:spPr>
+      </p:pic>
+      <p:pic>
+        <p:nvPicPr>
+          <p:cNvPr id="28" name="Gráfico 27">
+            <a:extLst>
+              <a:ext uri="{FF2B5EF4-FFF2-40B4-BE49-F238E27FC236}">
+                <a16:creationId xmlns:a16="http://schemas.microsoft.com/office/drawing/2014/main" id="{62DD896D-B4E1-4E1D-989F-76C011279BC1}"/>
+              </a:ext>
+            </a:extLst>
+          </p:cNvPr>
+          <p:cNvPicPr>
+            <a:picLocks noChangeAspect="1"/>
+          </p:cNvPicPr>
+          <p:nvPr/>
+        </p:nvPicPr>
+        <p:blipFill>
+          <a:blip r:embed="rId13">
+            <a:extLst>
+              <a:ext uri="{28A0092B-C50C-407E-A947-70E740481C1C}">
+                <a14:useLocalDpi xmlns:a14="http://schemas.microsoft.com/office/drawing/2010/main" val="0"/>
+              </a:ext>
+              <a:ext uri="{96DAC541-7B7A-43D3-8B79-37D633B846F1}">
+                <asvg:svgBlip xmlns:asvg="http://schemas.microsoft.com/office/drawing/2016/SVG/main" r:embed="rId14"/>
+              </a:ext>
+            </a:extLst>
+          </a:blip>
+          <a:stretch>
+            <a:fillRect/>
+          </a:stretch>
+        </p:blipFill>
+        <p:spPr>
+          <a:xfrm>
+            <a:off x="9362297" y="1044230"/>
+            <a:ext cx="1800160" cy="1800160"/>
+          </a:xfrm>
+          <a:prstGeom prst="rect">
+            <a:avLst/>
+          </a:prstGeom>
+        </p:spPr>
+      </p:pic>
+      <p:pic>
+        <p:nvPicPr>
+          <p:cNvPr id="29" name="Imagem 28" descr="Logotipo, nome da empresa&#10;&#10;Descrição gerada automaticamente">
+            <a:extLst>
+              <a:ext uri="{FF2B5EF4-FFF2-40B4-BE49-F238E27FC236}">
+                <a16:creationId xmlns:a16="http://schemas.microsoft.com/office/drawing/2014/main" id="{32607A83-98B3-493A-B8C0-F72D7B13E02C}"/>
+              </a:ext>
+            </a:extLst>
+          </p:cNvPr>
+          <p:cNvPicPr>
+            <a:picLocks noChangeAspect="1"/>
+          </p:cNvPicPr>
+          <p:nvPr/>
+        </p:nvPicPr>
+        <p:blipFill>
+          <a:blip r:embed="rId15">
+            <a:extLst>
+              <a:ext uri="{28A0092B-C50C-407E-A947-70E740481C1C}">
+                <a14:useLocalDpi xmlns:a14="http://schemas.microsoft.com/office/drawing/2010/main" val="0"/>
+              </a:ext>
+            </a:extLst>
+          </a:blip>
+          <a:stretch>
+            <a:fillRect/>
+          </a:stretch>
+        </p:blipFill>
+        <p:spPr>
+          <a:xfrm>
+            <a:off x="3076642" y="3438165"/>
+            <a:ext cx="1555719" cy="1681433"/>
+          </a:xfrm>
+          <a:prstGeom prst="rect">
+            <a:avLst/>
+          </a:prstGeom>
+        </p:spPr>
+      </p:pic>
+      <p:pic>
+        <p:nvPicPr>
+          <p:cNvPr id="30" name="Imagem 29" descr="Logotipo&#10;&#10;Descrição gerada automaticamente">
+            <a:extLst>
+              <a:ext uri="{FF2B5EF4-FFF2-40B4-BE49-F238E27FC236}">
+                <a16:creationId xmlns:a16="http://schemas.microsoft.com/office/drawing/2014/main" id="{57A0085D-36C3-4D3B-BA11-4BC58F570FCC}"/>
+              </a:ext>
+            </a:extLst>
+          </p:cNvPr>
+          <p:cNvPicPr>
+            <a:picLocks noChangeAspect="1"/>
+          </p:cNvPicPr>
+          <p:nvPr/>
+        </p:nvPicPr>
+        <p:blipFill>
+          <a:blip r:embed="rId16">
+            <a:extLst>
+              <a:ext uri="{28A0092B-C50C-407E-A947-70E740481C1C}">
+                <a14:useLocalDpi xmlns:a14="http://schemas.microsoft.com/office/drawing/2010/main" val="0"/>
+              </a:ext>
+            </a:extLst>
+          </a:blip>
+          <a:stretch>
+            <a:fillRect/>
+          </a:stretch>
+        </p:blipFill>
+        <p:spPr>
+          <a:xfrm>
+            <a:off x="6035338" y="349930"/>
+            <a:ext cx="3300835" cy="3300835"/>
+          </a:xfrm>
+          <a:prstGeom prst="rect">
+            <a:avLst/>
+          </a:prstGeom>
+        </p:spPr>
+      </p:pic>
+      <p:pic>
+        <p:nvPicPr>
+          <p:cNvPr id="31" name="Imagem 30" descr="Logotipo, Ícone&#10;&#10;Descrição gerada automaticamente">
+            <a:extLst>
+              <a:ext uri="{FF2B5EF4-FFF2-40B4-BE49-F238E27FC236}">
+                <a16:creationId xmlns:a16="http://schemas.microsoft.com/office/drawing/2014/main" id="{AAEF6C6C-D1F9-4FBF-9760-CCCBFC8C10AC}"/>
+              </a:ext>
+            </a:extLst>
+          </p:cNvPr>
+          <p:cNvPicPr>
+            <a:picLocks noChangeAspect="1"/>
+          </p:cNvPicPr>
+          <p:nvPr/>
+        </p:nvPicPr>
+        <p:blipFill>
+          <a:blip r:embed="rId17">
+            <a:extLst>
+              <a:ext uri="{28A0092B-C50C-407E-A947-70E740481C1C}">
+                <a14:useLocalDpi xmlns:a14="http://schemas.microsoft.com/office/drawing/2010/main" val="0"/>
+              </a:ext>
+            </a:extLst>
+          </a:blip>
+          <a:stretch>
+            <a:fillRect/>
+          </a:stretch>
+        </p:blipFill>
+        <p:spPr>
+          <a:xfrm>
+            <a:off x="3700645" y="5451144"/>
+            <a:ext cx="1364116" cy="1364116"/>
+          </a:xfrm>
+          <a:prstGeom prst="rect">
+            <a:avLst/>
+          </a:prstGeom>
+        </p:spPr>
+      </p:pic>
+      <p:pic>
+        <p:nvPicPr>
+          <p:cNvPr id="32" name="Imagem 31" descr="Logotipo, Ícone&#10;&#10;Descrição gerada automaticamente">
+            <a:extLst>
+              <a:ext uri="{FF2B5EF4-FFF2-40B4-BE49-F238E27FC236}">
+                <a16:creationId xmlns:a16="http://schemas.microsoft.com/office/drawing/2014/main" id="{EF54A3DE-B27E-41BA-8528-2B50C686E408}"/>
+              </a:ext>
+            </a:extLst>
+          </p:cNvPr>
+          <p:cNvPicPr>
+            <a:picLocks noChangeAspect="1"/>
+          </p:cNvPicPr>
+          <p:nvPr/>
+        </p:nvPicPr>
+        <p:blipFill>
+          <a:blip r:embed="rId18">
+            <a:extLst>
+              <a:ext uri="{28A0092B-C50C-407E-A947-70E740481C1C}">
+                <a14:useLocalDpi xmlns:a14="http://schemas.microsoft.com/office/drawing/2010/main" val="0"/>
+              </a:ext>
+            </a:extLst>
+          </a:blip>
+          <a:stretch>
+            <a:fillRect/>
+          </a:stretch>
+        </p:blipFill>
+        <p:spPr>
+          <a:xfrm>
+            <a:off x="5010755" y="5434401"/>
+            <a:ext cx="1364117" cy="1364117"/>
+          </a:xfrm>
+          <a:prstGeom prst="rect">
+            <a:avLst/>
+          </a:prstGeom>
+        </p:spPr>
+      </p:pic>
+      <p:pic>
+        <p:nvPicPr>
+          <p:cNvPr id="33" name="Imagem 32" descr="Logotipo, Ícone&#10;&#10;Descrição gerada automaticamente">
+            <a:extLst>
+              <a:ext uri="{FF2B5EF4-FFF2-40B4-BE49-F238E27FC236}">
+                <a16:creationId xmlns:a16="http://schemas.microsoft.com/office/drawing/2014/main" id="{79122677-E257-4FFE-8979-6069A260DAAD}"/>
+              </a:ext>
+            </a:extLst>
+          </p:cNvPr>
+          <p:cNvPicPr>
+            <a:picLocks noChangeAspect="1"/>
+          </p:cNvPicPr>
+          <p:nvPr/>
+        </p:nvPicPr>
+        <p:blipFill>
+          <a:blip r:embed="rId19">
+            <a:extLst>
+              <a:ext uri="{28A0092B-C50C-407E-A947-70E740481C1C}">
+                <a14:useLocalDpi xmlns:a14="http://schemas.microsoft.com/office/drawing/2010/main" val="0"/>
+              </a:ext>
+            </a:extLst>
+          </a:blip>
+          <a:stretch>
+            <a:fillRect/>
+          </a:stretch>
+        </p:blipFill>
+        <p:spPr>
+          <a:xfrm>
+            <a:off x="5778651" y="5451143"/>
+            <a:ext cx="2324619" cy="1306856"/>
           </a:xfrm>
           <a:prstGeom prst="rect">
             <a:avLst/>
